--- a/principal-and-applications-2/assg-2-introduction-to-anova/Analysis of Variance.pptx
+++ b/principal-and-applications-2/assg-2-introduction-to-anova/Analysis of Variance.pptx
@@ -246,7 +246,7 @@
           <a:effectLst/>
           <a:extLst>
             <a:ext uri="{91240B29-F687-4f45-9708-019B960494DF}">
-              <a14:hiddenLine xmlns:a14="http://schemas.microsoft.com/office/drawing/2010/main" xmlns="" w="9525">
+              <a14:hiddenLine xmlns="" xmlns:a14="http://schemas.microsoft.com/office/drawing/2010/main" w="9525">
                 <a:solidFill>
                   <a:srgbClr val="000000"/>
                 </a:solidFill>
@@ -438,7 +438,7 @@
           <a:p>
             <a:fld id="{BA1424CB-6C58-404D-BA48-D1D20FA5D6E9}" type="datetimeFigureOut">
               <a:rPr lang="en-US" smtClean="0"/>
-              <a:t>10/29/2019</a:t>
+              <a:t>5/12/20</a:t>
             </a:fld>
             <a:endParaRPr lang="en-US"/>
           </a:p>
@@ -756,7 +756,7 @@
           <a:p>
             <a:fld id="{BA1424CB-6C58-404D-BA48-D1D20FA5D6E9}" type="datetimeFigureOut">
               <a:rPr lang="en-US" smtClean="0"/>
-              <a:t>10/29/2019</a:t>
+              <a:t>5/12/20</a:t>
             </a:fld>
             <a:endParaRPr lang="en-US"/>
           </a:p>
@@ -1244,7 +1244,7 @@
           <a:p>
             <a:fld id="{BA1424CB-6C58-404D-BA48-D1D20FA5D6E9}" type="datetimeFigureOut">
               <a:rPr lang="en-US" smtClean="0"/>
-              <a:t>10/29/2019</a:t>
+              <a:t>5/12/20</a:t>
             </a:fld>
             <a:endParaRPr lang="en-US"/>
           </a:p>
@@ -1613,7 +1613,7 @@
           <a:p>
             <a:fld id="{BA1424CB-6C58-404D-BA48-D1D20FA5D6E9}" type="datetimeFigureOut">
               <a:rPr lang="en-US" smtClean="0"/>
-              <a:t>10/29/2019</a:t>
+              <a:t>5/12/20</a:t>
             </a:fld>
             <a:endParaRPr lang="en-US"/>
           </a:p>
@@ -1768,7 +1768,7 @@
           <a:ln/>
           <a:extLst>
             <a:ext uri="{91240B29-F687-4f45-9708-019B960494DF}">
-              <a14:hiddenLine xmlns:a14="http://schemas.microsoft.com/office/drawing/2010/main" xmlns="" w="9525">
+              <a14:hiddenLine xmlns="" xmlns:a14="http://schemas.microsoft.com/office/drawing/2010/main" w="9525">
                 <a:solidFill>
                   <a:srgbClr val="000000"/>
                 </a:solidFill>
@@ -1886,7 +1886,7 @@
           <a:p>
             <a:fld id="{BA1424CB-6C58-404D-BA48-D1D20FA5D6E9}" type="datetimeFigureOut">
               <a:rPr lang="en-US" smtClean="0"/>
-              <a:t>10/29/2019</a:t>
+              <a:t>5/12/20</a:t>
             </a:fld>
             <a:endParaRPr lang="en-US"/>
           </a:p>
@@ -2043,7 +2043,7 @@
           <a:ln/>
           <a:extLst>
             <a:ext uri="{91240B29-F687-4f45-9708-019B960494DF}">
-              <a14:hiddenLine xmlns:a14="http://schemas.microsoft.com/office/drawing/2010/main" xmlns="" w="9525">
+              <a14:hiddenLine xmlns="" xmlns:a14="http://schemas.microsoft.com/office/drawing/2010/main" w="9525">
                 <a:solidFill>
                   <a:srgbClr val="000000"/>
                 </a:solidFill>
@@ -2171,7 +2171,7 @@
           <a:p>
             <a:fld id="{BA1424CB-6C58-404D-BA48-D1D20FA5D6E9}" type="datetimeFigureOut">
               <a:rPr lang="en-US" smtClean="0"/>
-              <a:t>10/29/2019</a:t>
+              <a:t>5/12/20</a:t>
             </a:fld>
             <a:endParaRPr lang="en-US"/>
           </a:p>
@@ -2326,7 +2326,7 @@
           <a:ln/>
           <a:extLst>
             <a:ext uri="{91240B29-F687-4f45-9708-019B960494DF}">
-              <a14:hiddenLine xmlns:a14="http://schemas.microsoft.com/office/drawing/2010/main" xmlns="" w="9525">
+              <a14:hiddenLine xmlns="" xmlns:a14="http://schemas.microsoft.com/office/drawing/2010/main" w="9525">
                 <a:solidFill>
                   <a:srgbClr val="000000"/>
                 </a:solidFill>
@@ -2454,7 +2454,7 @@
           <a:p>
             <a:fld id="{BA1424CB-6C58-404D-BA48-D1D20FA5D6E9}" type="datetimeFigureOut">
               <a:rPr lang="en-US" smtClean="0"/>
-              <a:t>10/29/2019</a:t>
+              <a:t>5/12/20</a:t>
             </a:fld>
             <a:endParaRPr lang="en-US"/>
           </a:p>
@@ -2797,7 +2797,7 @@
           <a:p>
             <a:fld id="{BA1424CB-6C58-404D-BA48-D1D20FA5D6E9}" type="datetimeFigureOut">
               <a:rPr lang="en-US" smtClean="0"/>
-              <a:t>10/29/2019</a:t>
+              <a:t>5/12/20</a:t>
             </a:fld>
             <a:endParaRPr lang="en-US"/>
           </a:p>
@@ -2952,7 +2952,7 @@
           <a:ln/>
           <a:extLst>
             <a:ext uri="{91240B29-F687-4f45-9708-019B960494DF}">
-              <a14:hiddenLine xmlns:a14="http://schemas.microsoft.com/office/drawing/2010/main" xmlns="" w="9525">
+              <a14:hiddenLine xmlns="" xmlns:a14="http://schemas.microsoft.com/office/drawing/2010/main" w="9525">
                 <a:solidFill>
                   <a:srgbClr val="000000"/>
                 </a:solidFill>
@@ -3136,7 +3136,7 @@
           <a:p>
             <a:fld id="{BA1424CB-6C58-404D-BA48-D1D20FA5D6E9}" type="datetimeFigureOut">
               <a:rPr lang="en-US" smtClean="0"/>
-              <a:t>10/29/2019</a:t>
+              <a:t>5/12/20</a:t>
             </a:fld>
             <a:endParaRPr lang="en-US"/>
           </a:p>
@@ -3291,7 +3291,7 @@
           <a:ln/>
           <a:extLst>
             <a:ext uri="{91240B29-F687-4f45-9708-019B960494DF}">
-              <a14:hiddenLine xmlns:a14="http://schemas.microsoft.com/office/drawing/2010/main" xmlns="" w="9525">
+              <a14:hiddenLine xmlns="" xmlns:a14="http://schemas.microsoft.com/office/drawing/2010/main" w="9525">
                 <a:solidFill>
                   <a:srgbClr val="000000"/>
                 </a:solidFill>
@@ -3613,7 +3613,7 @@
           <a:p>
             <a:fld id="{BA1424CB-6C58-404D-BA48-D1D20FA5D6E9}" type="datetimeFigureOut">
               <a:rPr lang="en-US" smtClean="0"/>
-              <a:t>10/29/2019</a:t>
+              <a:t>5/12/20</a:t>
             </a:fld>
             <a:endParaRPr lang="en-US"/>
           </a:p>
@@ -3768,7 +3768,7 @@
           <a:ln/>
           <a:extLst>
             <a:ext uri="{91240B29-F687-4f45-9708-019B960494DF}">
-              <a14:hiddenLine xmlns:a14="http://schemas.microsoft.com/office/drawing/2010/main" xmlns="" w="9525">
+              <a14:hiddenLine xmlns="" xmlns:a14="http://schemas.microsoft.com/office/drawing/2010/main" w="9525">
                 <a:solidFill>
                   <a:srgbClr val="000000"/>
                 </a:solidFill>
@@ -3834,7 +3834,7 @@
           <a:p>
             <a:fld id="{BA1424CB-6C58-404D-BA48-D1D20FA5D6E9}" type="datetimeFigureOut">
               <a:rPr lang="en-US" smtClean="0"/>
-              <a:t>10/29/2019</a:t>
+              <a:t>5/12/20</a:t>
             </a:fld>
             <a:endParaRPr lang="en-US"/>
           </a:p>
@@ -3929,7 +3929,7 @@
           <a:p>
             <a:fld id="{BA1424CB-6C58-404D-BA48-D1D20FA5D6E9}" type="datetimeFigureOut">
               <a:rPr lang="en-US" smtClean="0"/>
-              <a:t>10/29/2019</a:t>
+              <a:t>5/12/20</a:t>
             </a:fld>
             <a:endParaRPr lang="en-US"/>
           </a:p>
@@ -4197,7 +4197,7 @@
           <a:ln/>
           <a:extLst>
             <a:ext uri="{91240B29-F687-4f45-9708-019B960494DF}">
-              <a14:hiddenLine xmlns:a14="http://schemas.microsoft.com/office/drawing/2010/main" xmlns="" w="9525">
+              <a14:hiddenLine xmlns="" xmlns:a14="http://schemas.microsoft.com/office/drawing/2010/main" w="9525">
                 <a:solidFill>
                   <a:srgbClr val="000000"/>
                 </a:solidFill>
@@ -4396,7 +4396,7 @@
           <a:p>
             <a:fld id="{BA1424CB-6C58-404D-BA48-D1D20FA5D6E9}" type="datetimeFigureOut">
               <a:rPr lang="en-US" smtClean="0"/>
-              <a:t>10/29/2019</a:t>
+              <a:t>5/12/20</a:t>
             </a:fld>
             <a:endParaRPr lang="en-US"/>
           </a:p>
@@ -4709,7 +4709,7 @@
           <a:p>
             <a:fld id="{BA1424CB-6C58-404D-BA48-D1D20FA5D6E9}" type="datetimeFigureOut">
               <a:rPr lang="en-US" smtClean="0"/>
-              <a:t>10/29/2019</a:t>
+              <a:t>5/12/20</a:t>
             </a:fld>
             <a:endParaRPr lang="en-US"/>
           </a:p>
@@ -4979,7 +4979,7 @@
           <a:p>
             <a:fld id="{BA1424CB-6C58-404D-BA48-D1D20FA5D6E9}" type="datetimeFigureOut">
               <a:rPr lang="en-US" smtClean="0"/>
-              <a:t>10/29/2019</a:t>
+              <a:t>5/12/20</a:t>
             </a:fld>
             <a:endParaRPr lang="en-US"/>
           </a:p>
